--- a/meetup005/MGUG_meetup005.pptx
+++ b/meetup005/MGUG_meetup005.pptx
@@ -2,17 +2,18 @@
 <file path=ppt/presentation.xml><?xml version="1.0" encoding="utf-8"?>
 <p:presentation xmlns:a="http://schemas.openxmlformats.org/drawingml/2006/main" xmlns:r="http://schemas.openxmlformats.org/officeDocument/2006/relationships" xmlns:p="http://schemas.openxmlformats.org/presentationml/2006/main" removePersonalInfoOnSave="1" saveSubsetFonts="1">
   <p:sldMasterIdLst>
-    <p:sldMasterId id="2147483696" r:id="rId16"/>
+    <p:sldMasterId id="2147483696" r:id="rId18"/>
   </p:sldMasterIdLst>
   <p:notesMasterIdLst>
-    <p:notesMasterId r:id="rId22"/>
+    <p:notesMasterId r:id="rId25"/>
   </p:notesMasterIdLst>
   <p:sldIdLst>
-    <p:sldId id="2142533867" r:id="rId17"/>
-    <p:sldId id="2142533868" r:id="rId18"/>
-    <p:sldId id="2142533870" r:id="rId19"/>
-    <p:sldId id="2142533871" r:id="rId20"/>
-    <p:sldId id="2142533869" r:id="rId21"/>
+    <p:sldId id="2142533867" r:id="rId19"/>
+    <p:sldId id="2142533868" r:id="rId20"/>
+    <p:sldId id="2142533870" r:id="rId21"/>
+    <p:sldId id="2142533871" r:id="rId22"/>
+    <p:sldId id="2142533872" r:id="rId23"/>
+    <p:sldId id="2142533869" r:id="rId24"/>
   </p:sldIdLst>
   <p:sldSz cx="12192000" cy="6858000"/>
   <p:notesSz cx="6858000" cy="9144000"/>
@@ -128,15 +129,6 @@
     </p:ext>
   </p:extLst>
 </p:presentation>
-</file>
-
-<file path=ppt/revisionInfo.xml><?xml version="1.0" encoding="utf-8"?>
-<p1510:revInfo xmlns:a="http://schemas.openxmlformats.org/drawingml/2006/main" xmlns:r="http://schemas.openxmlformats.org/officeDocument/2006/relationships" xmlns:p1510="http://schemas.microsoft.com/office/powerpoint/2015/10/main">
-  <p1510:revLst>
-    <p1510:client id="{0CB5FFBB-16B8-4DB3-9D36-C706A1B0B76D}" v="16" dt="2024-06-20T08:39:47.560"/>
-    <p1510:client id="{262698C5-69F0-4AB0-9386-8A8F68790050}" v="19" dt="2024-06-19T21:37:31.185"/>
-  </p1510:revLst>
-</p1510:revInfo>
 </file>
 
 <file path=ppt/diagrams/colors1.xml><?xml version="1.0" encoding="utf-8"?>
@@ -4324,7 +4316,7 @@
         <p:spPr>
           <a:xfrm>
             <a:off x="1807285" y="2157967"/>
-            <a:ext cx="9700974" cy="2860358"/>
+            <a:ext cx="9700974" cy="3291126"/>
           </a:xfrm>
           <a:prstGeom prst="roundRect">
             <a:avLst>
@@ -4416,6 +4408,36 @@
               <a:t> </a:t>
             </a:r>
           </a:p>
+          <a:p>
+            <a:endParaRPr lang="en-US" dirty="0"/>
+          </a:p>
+          <a:p>
+            <a:r>
+              <a:rPr lang="en-US" b="1" dirty="0"/>
+              <a:t>Documentation:</a:t>
+            </a:r>
+            <a:r>
+              <a:rPr lang="en-US" dirty="0"/>
+              <a:t> </a:t>
+            </a:r>
+            <a:r>
+              <a:rPr lang="en-US" dirty="0">
+                <a:hlinkClick r:id="rId9"/>
+              </a:rPr>
+              <a:t>https://learn.microsoft.com/en-us/azure/ai-services/</a:t>
+            </a:r>
+            <a:r>
+              <a:rPr lang="en-US">
+                <a:hlinkClick r:id="rId9"/>
+              </a:rPr>
+              <a:t>content-safety/</a:t>
+            </a:r>
+            <a:r>
+              <a:rPr lang="en-US"/>
+              <a:t> </a:t>
+            </a:r>
+            <a:endParaRPr lang="en-US" dirty="0"/>
+          </a:p>
         </p:txBody>
       </p:sp>
       <p:sp>
@@ -4489,6 +4511,398 @@
 </file>
 
 <file path=ppt/slides/slide5.xml><?xml version="1.0" encoding="utf-8"?>
+<p:sld xmlns:a="http://schemas.openxmlformats.org/drawingml/2006/main" xmlns:r="http://schemas.openxmlformats.org/officeDocument/2006/relationships" xmlns:p="http://schemas.openxmlformats.org/presentationml/2006/main">
+  <p:cSld>
+    <p:bg>
+      <p:bgPr>
+        <a:blipFill dpi="0" rotWithShape="1">
+          <a:blip r:embed="rId4">
+            <a:alphaModFix amt="50000"/>
+            <a:lum/>
+          </a:blip>
+          <a:srcRect/>
+          <a:stretch>
+            <a:fillRect/>
+          </a:stretch>
+        </a:blipFill>
+        <a:effectLst/>
+      </p:bgPr>
+    </p:bg>
+    <p:spTree>
+      <p:nvGrpSpPr>
+        <p:cNvPr id="1" name=""/>
+        <p:cNvGrpSpPr/>
+        <p:nvPr/>
+      </p:nvGrpSpPr>
+      <p:grpSpPr>
+        <a:xfrm>
+          <a:off x="0" y="0"/>
+          <a:ext cx="0" cy="0"/>
+          <a:chOff x="0" y="0"/>
+          <a:chExt cx="0" cy="0"/>
+        </a:xfrm>
+      </p:grpSpPr>
+      <p:graphicFrame>
+        <p:nvGraphicFramePr>
+          <p:cNvPr id="3" name="Table 2">
+            <a:extLst>
+              <a:ext uri="{FF2B5EF4-FFF2-40B4-BE49-F238E27FC236}">
+                <a16:creationId xmlns:a16="http://schemas.microsoft.com/office/drawing/2014/main" id="{6287729E-A752-2DB9-26E0-2C4A5B68D9FB}"/>
+              </a:ext>
+            </a:extLst>
+          </p:cNvPr>
+          <p:cNvGraphicFramePr>
+            <a:graphicFrameLocks noGrp="1"/>
+          </p:cNvGraphicFramePr>
+          <p:nvPr>
+            <p:extLst>
+              <p:ext uri="{D42A27DB-BD31-4B8C-83A1-F6EECF244321}">
+                <p14:modId xmlns:p14="http://schemas.microsoft.com/office/powerpoint/2010/main" val="1681638785"/>
+              </p:ext>
+            </p:extLst>
+          </p:nvPr>
+        </p:nvGraphicFramePr>
+        <p:xfrm>
+          <a:off x="593125" y="1472367"/>
+          <a:ext cx="11005750" cy="3913266"/>
+        </p:xfrm>
+        <a:graphic>
+          <a:graphicData uri="http://schemas.openxmlformats.org/drawingml/2006/table">
+            <a:tbl>
+              <a:tblPr/>
+              <a:tblGrid>
+                <a:gridCol w="3566983">
+                  <a:extLst>
+                    <a:ext uri="{9D8B030D-6E8A-4147-A177-3AD203B41FA5}">
+                      <a16:colId xmlns:a16="http://schemas.microsoft.com/office/drawing/2014/main" val="325606854"/>
+                    </a:ext>
+                  </a:extLst>
+                </a:gridCol>
+                <a:gridCol w="7438767">
+                  <a:extLst>
+                    <a:ext uri="{9D8B030D-6E8A-4147-A177-3AD203B41FA5}">
+                      <a16:colId xmlns:a16="http://schemas.microsoft.com/office/drawing/2014/main" val="4224601019"/>
+                    </a:ext>
+                  </a:extLst>
+                </a:gridCol>
+              </a:tblGrid>
+              <a:tr h="801130">
+                <a:tc>
+                  <a:txBody>
+                    <a:bodyPr/>
+                    <a:lstStyle/>
+                    <a:p>
+                      <a:r>
+                        <a:rPr lang="en-US" b="1" i="1" dirty="0">
+                          <a:effectLst/>
+                        </a:rPr>
+                        <a:t>Submit a session</a:t>
+                      </a:r>
+                      <a:endParaRPr lang="en-US" b="1" dirty="0">
+                        <a:effectLst/>
+                      </a:endParaRPr>
+                    </a:p>
+                  </a:txBody>
+                  <a:tcPr marL="123825" marR="123825" marT="57150" marB="57150" anchor="ctr">
+                    <a:lnL>
+                      <a:noFill/>
+                    </a:lnL>
+                    <a:lnR>
+                      <a:noFill/>
+                    </a:lnR>
+                    <a:lnT>
+                      <a:noFill/>
+                    </a:lnT>
+                    <a:lnB>
+                      <a:noFill/>
+                    </a:lnB>
+                    <a:solidFill>
+                      <a:srgbClr val="FFFFFF"/>
+                    </a:solidFill>
+                  </a:tcPr>
+                </a:tc>
+                <a:tc>
+                  <a:txBody>
+                    <a:bodyPr/>
+                    <a:lstStyle/>
+                    <a:p>
+                      <a:r>
+                        <a:rPr lang="en-US" u="sng" dirty="0">
+                          <a:effectLst/>
+                          <a:hlinkClick r:id="rId5"/>
+                        </a:rPr>
+                        <a:t>https://sessionize.com/microsoft-governance-user-group/</a:t>
+                      </a:r>
+                      <a:endParaRPr lang="en-US" dirty="0">
+                        <a:effectLst/>
+                      </a:endParaRPr>
+                    </a:p>
+                  </a:txBody>
+                  <a:tcPr marL="123825" marR="123825" marT="57150" marB="57150" anchor="ctr">
+                    <a:lnL>
+                      <a:noFill/>
+                    </a:lnL>
+                    <a:lnR>
+                      <a:noFill/>
+                    </a:lnR>
+                    <a:lnT>
+                      <a:noFill/>
+                    </a:lnT>
+                    <a:lnB>
+                      <a:noFill/>
+                    </a:lnB>
+                    <a:solidFill>
+                      <a:srgbClr val="FFFFFF"/>
+                    </a:solidFill>
+                  </a:tcPr>
+                </a:tc>
+                <a:extLst>
+                  <a:ext uri="{0D108BD9-81ED-4DB2-BD59-A6C34878D82A}">
+                    <a16:rowId xmlns:a16="http://schemas.microsoft.com/office/drawing/2014/main" val="3101737060"/>
+                  </a:ext>
+                </a:extLst>
+              </a:tr>
+              <a:tr h="1203359">
+                <a:tc>
+                  <a:txBody>
+                    <a:bodyPr/>
+                    <a:lstStyle/>
+                    <a:p>
+                      <a:r>
+                        <a:rPr lang="en-US" b="1" dirty="0">
+                          <a:effectLst/>
+                        </a:rPr>
+                        <a:t>Learn more about the meetup</a:t>
+                      </a:r>
+                    </a:p>
+                  </a:txBody>
+                  <a:tcPr marL="123825" marR="123825" marT="57150" marB="57150" anchor="ctr">
+                    <a:lnL>
+                      <a:noFill/>
+                    </a:lnL>
+                    <a:lnR>
+                      <a:noFill/>
+                    </a:lnR>
+                    <a:lnT>
+                      <a:noFill/>
+                    </a:lnT>
+                    <a:lnB>
+                      <a:noFill/>
+                    </a:lnB>
+                    <a:solidFill>
+                      <a:srgbClr val="FFFFFF"/>
+                    </a:solidFill>
+                  </a:tcPr>
+                </a:tc>
+                <a:tc>
+                  <a:txBody>
+                    <a:bodyPr/>
+                    <a:lstStyle/>
+                    <a:p>
+                      <a:r>
+                        <a:rPr lang="en-US" u="sng" dirty="0">
+                          <a:effectLst/>
+                          <a:hlinkClick r:id="rId6"/>
+                        </a:rPr>
+                        <a:t>https://www.meetup.com/microsoft-governance-user-group/</a:t>
+                      </a:r>
+                      <a:endParaRPr lang="en-US" dirty="0">
+                        <a:effectLst/>
+                      </a:endParaRPr>
+                    </a:p>
+                  </a:txBody>
+                  <a:tcPr marL="123825" marR="123825" marT="57150" marB="57150" anchor="ctr">
+                    <a:lnL>
+                      <a:noFill/>
+                    </a:lnL>
+                    <a:lnR>
+                      <a:noFill/>
+                    </a:lnR>
+                    <a:lnT>
+                      <a:noFill/>
+                    </a:lnT>
+                    <a:lnB>
+                      <a:noFill/>
+                    </a:lnB>
+                    <a:solidFill>
+                      <a:srgbClr val="FFFFFF"/>
+                    </a:solidFill>
+                  </a:tcPr>
+                </a:tc>
+                <a:extLst>
+                  <a:ext uri="{0D108BD9-81ED-4DB2-BD59-A6C34878D82A}">
+                    <a16:rowId xmlns:a16="http://schemas.microsoft.com/office/drawing/2014/main" val="789650276"/>
+                  </a:ext>
+                </a:extLst>
+              </a:tr>
+              <a:tr h="705418">
+                <a:tc>
+                  <a:txBody>
+                    <a:bodyPr/>
+                    <a:lstStyle/>
+                    <a:p>
+                      <a:r>
+                        <a:rPr lang="en-US" b="1" dirty="0">
+                          <a:effectLst/>
+                        </a:rPr>
+                        <a:t>View previous meetup recordings</a:t>
+                      </a:r>
+                    </a:p>
+                  </a:txBody>
+                  <a:tcPr marL="123825" marR="123825" marT="57150" marB="57150" anchor="ctr">
+                    <a:lnL>
+                      <a:noFill/>
+                    </a:lnL>
+                    <a:lnR>
+                      <a:noFill/>
+                    </a:lnR>
+                    <a:lnT>
+                      <a:noFill/>
+                    </a:lnT>
+                    <a:lnB>
+                      <a:noFill/>
+                    </a:lnB>
+                    <a:solidFill>
+                      <a:srgbClr val="FFFFFF"/>
+                    </a:solidFill>
+                  </a:tcPr>
+                </a:tc>
+                <a:tc>
+                  <a:txBody>
+                    <a:bodyPr/>
+                    <a:lstStyle/>
+                    <a:p>
+                      <a:r>
+                        <a:rPr lang="en-US" u="sng">
+                          <a:effectLst/>
+                          <a:hlinkClick r:id="rId7"/>
+                        </a:rPr>
+                        <a:t>https://www.youtube.com/@yggdrasil13</a:t>
+                      </a:r>
+                      <a:endParaRPr lang="en-US">
+                        <a:effectLst/>
+                      </a:endParaRPr>
+                    </a:p>
+                  </a:txBody>
+                  <a:tcPr marL="123825" marR="123825" marT="57150" marB="57150" anchor="ctr">
+                    <a:lnL>
+                      <a:noFill/>
+                    </a:lnL>
+                    <a:lnR>
+                      <a:noFill/>
+                    </a:lnR>
+                    <a:lnT>
+                      <a:noFill/>
+                    </a:lnT>
+                    <a:lnB>
+                      <a:noFill/>
+                    </a:lnB>
+                    <a:solidFill>
+                      <a:srgbClr val="FFFFFF"/>
+                    </a:solidFill>
+                  </a:tcPr>
+                </a:tc>
+                <a:extLst>
+                  <a:ext uri="{0D108BD9-81ED-4DB2-BD59-A6C34878D82A}">
+                    <a16:rowId xmlns:a16="http://schemas.microsoft.com/office/drawing/2014/main" val="2310500446"/>
+                  </a:ext>
+                </a:extLst>
+              </a:tr>
+              <a:tr h="1203359">
+                <a:tc>
+                  <a:txBody>
+                    <a:bodyPr/>
+                    <a:lstStyle/>
+                    <a:p>
+                      <a:r>
+                        <a:rPr lang="en-US" b="1" dirty="0">
+                          <a:effectLst/>
+                        </a:rPr>
+                        <a:t>Connect with us on LinkedIn Group</a:t>
+                      </a:r>
+                    </a:p>
+                  </a:txBody>
+                  <a:tcPr marL="123825" marR="123825" marT="57150" marB="57150" anchor="ctr">
+                    <a:lnL>
+                      <a:noFill/>
+                    </a:lnL>
+                    <a:lnR>
+                      <a:noFill/>
+                    </a:lnR>
+                    <a:lnT>
+                      <a:noFill/>
+                    </a:lnT>
+                    <a:lnB>
+                      <a:noFill/>
+                    </a:lnB>
+                    <a:solidFill>
+                      <a:srgbClr val="FFFFFF"/>
+                    </a:solidFill>
+                  </a:tcPr>
+                </a:tc>
+                <a:tc>
+                  <a:txBody>
+                    <a:bodyPr/>
+                    <a:lstStyle/>
+                    <a:p>
+                      <a:r>
+                        <a:rPr lang="en-US" u="sng" dirty="0">
+                          <a:effectLst/>
+                          <a:hlinkClick r:id="rId8"/>
+                        </a:rPr>
+                        <a:t>https://www.linkedin.com/company/microsoft-governance-user-group/</a:t>
+                      </a:r>
+                      <a:endParaRPr lang="en-US" dirty="0">
+                        <a:effectLst/>
+                      </a:endParaRPr>
+                    </a:p>
+                  </a:txBody>
+                  <a:tcPr marL="123825" marR="123825" marT="57150" marB="57150" anchor="ctr">
+                    <a:lnL>
+                      <a:noFill/>
+                    </a:lnL>
+                    <a:lnR>
+                      <a:noFill/>
+                    </a:lnR>
+                    <a:lnT>
+                      <a:noFill/>
+                    </a:lnT>
+                    <a:lnB>
+                      <a:noFill/>
+                    </a:lnB>
+                    <a:solidFill>
+                      <a:srgbClr val="FFFFFF"/>
+                    </a:solidFill>
+                  </a:tcPr>
+                </a:tc>
+                <a:extLst>
+                  <a:ext uri="{0D108BD9-81ED-4DB2-BD59-A6C34878D82A}">
+                    <a16:rowId xmlns:a16="http://schemas.microsoft.com/office/drawing/2014/main" val="2452628297"/>
+                  </a:ext>
+                </a:extLst>
+              </a:tr>
+            </a:tbl>
+          </a:graphicData>
+        </a:graphic>
+      </p:graphicFrame>
+    </p:spTree>
+    <p:custDataLst>
+      <p:custData r:id="rId1"/>
+      <p:custData r:id="rId2"/>
+    </p:custDataLst>
+    <p:extLst>
+      <p:ext uri="{BB962C8B-B14F-4D97-AF65-F5344CB8AC3E}">
+        <p14:creationId xmlns:p14="http://schemas.microsoft.com/office/powerpoint/2010/main" val="553424475"/>
+      </p:ext>
+    </p:extLst>
+  </p:cSld>
+  <p:clrMapOvr>
+    <a:masterClrMapping/>
+  </p:clrMapOvr>
+</p:sld>
+</file>
+
+<file path=ppt/slides/slide6.xml><?xml version="1.0" encoding="utf-8"?>
 <p:sld xmlns:a="http://schemas.openxmlformats.org/drawingml/2006/main" xmlns:r="http://schemas.openxmlformats.org/officeDocument/2006/relationships" xmlns:p="http://schemas.openxmlformats.org/presentationml/2006/main">
   <p:cSld>
     <p:bg>
@@ -5259,6 +5673,14 @@
 <TemplafySlideFormConfiguration><![CDATA[{"formFields":[],"formDataEntries":[]}]]></TemplafySlideFormConfiguration>
 </file>
 
+<file path=customXml/item16.xml><?xml version="1.0" encoding="utf-8"?>
+<TemplafySlideFormConfiguration><![CDATA[{"formFields":[],"formDataEntries":[]}]]></TemplafySlideFormConfiguration>
+</file>
+
+<file path=customXml/item17.xml><?xml version="1.0" encoding="utf-8"?>
+<TemplafySlideTemplateConfiguration><![CDATA[{"slideVersion":1,"isValidatorEnabled":false,"isLocked":false,"elementsMetadata":[],"slideId":"638254555629339804","enableDocumentContentUpdater":false,"version":"2.0"}]]></TemplafySlideTemplateConfiguration>
+</file>
+
 <file path=customXml/item2.xml><?xml version="1.0" encoding="utf-8"?>
 <p:properties xmlns:p="http://schemas.microsoft.com/office/2006/metadata/properties" xmlns:xsi="http://www.w3.org/2001/XMLSchema-instance" xmlns:pc="http://schemas.microsoft.com/office/infopath/2007/PartnerControls">
   <documentManagement>
@@ -5371,6 +5793,18 @@
 </ds:datastoreItem>
 </file>
 
+<file path=customXml/itemProps16.xml><?xml version="1.0" encoding="utf-8"?>
+<ds:datastoreItem xmlns:ds="http://schemas.openxmlformats.org/officeDocument/2006/customXml" ds:itemID="{0C44EEAF-8866-4CEF-96B2-A2D7C144F030}">
+  <ds:schemaRefs/>
+</ds:datastoreItem>
+</file>
+
+<file path=customXml/itemProps17.xml><?xml version="1.0" encoding="utf-8"?>
+<ds:datastoreItem xmlns:ds="http://schemas.openxmlformats.org/officeDocument/2006/customXml" ds:itemID="{BF973728-01C5-4739-AAD4-7B310F58E448}">
+  <ds:schemaRefs/>
+</ds:datastoreItem>
+</file>
+
 <file path=customXml/itemProps2.xml><?xml version="1.0" encoding="utf-8"?>
 <ds:datastoreItem xmlns:ds="http://schemas.openxmlformats.org/officeDocument/2006/customXml" ds:itemID="{50E6875C-C65A-4E07-BBA2-A5D0A80D1111}">
   <ds:schemaRefs>
